--- a/Geo-tempral project/documentation/presentation.pptx
+++ b/Geo-tempral project/documentation/presentation.pptx
@@ -4030,7 +4030,7 @@
           <a:p>
             <a:fld id="{8DC85F60-0429-014B-94F4-5F04CDE84950}" type="datetimeFigureOut">
               <a:rPr lang="it-IT" smtClean="0"/>
-              <a:t>14/02/2024</a:t>
+              <a:t>19/02/2024</a:t>
             </a:fld>
             <a:endParaRPr lang="it-IT" dirty="0"/>
           </a:p>
@@ -23076,6 +23076,15 @@
 </file>
 
 <file path=customXml/item1.xml><?xml version="1.0" encoding="utf-8"?>
+<?mso-contentType ?>
+<FormTemplates xmlns="http://schemas.microsoft.com/sharepoint/v3/contenttype/forms">
+  <Display>DocumentLibraryForm</Display>
+  <Edit>DocumentLibraryForm</Edit>
+  <New>DocumentLibraryForm</New>
+</FormTemplates>
+</file>
+
+<file path=customXml/item2.xml><?xml version="1.0" encoding="utf-8"?>
 <ct:contentTypeSchema xmlns:ct="http://schemas.microsoft.com/office/2006/metadata/contentType" xmlns:ma="http://schemas.microsoft.com/office/2006/metadata/properties/metaAttributes" ct:_="" ma:_="" ma:contentTypeName="Document" ma:contentTypeID="0x0101007FA92114A3471B4D8F75B1A14ABF07B0" ma:contentTypeVersion="3" ma:contentTypeDescription="Create a new document." ma:contentTypeScope="" ma:versionID="dc5e32ad0b5863b816b4167c8922ade9">
   <xsd:schema xmlns:xsd="http://www.w3.org/2001/XMLSchema" xmlns:xs="http://www.w3.org/2001/XMLSchema" xmlns:p="http://schemas.microsoft.com/office/2006/metadata/properties" xmlns:ns2="809c6131-60c3-40ed-bebd-38afa601eb8e" targetNamespace="http://schemas.microsoft.com/office/2006/metadata/properties" ma:root="true" ma:fieldsID="9f7d7087c3f04ca7f4b17243e3c04ba3" ns2:_="">
     <xsd:import namespace="809c6131-60c3-40ed-bebd-38afa601eb8e"/>
@@ -23213,15 +23222,6 @@
 </ct:contentTypeSchema>
 </file>
 
-<file path=customXml/item2.xml><?xml version="1.0" encoding="utf-8"?>
-<?mso-contentType ?>
-<FormTemplates xmlns="http://schemas.microsoft.com/sharepoint/v3/contenttype/forms">
-  <Display>DocumentLibraryForm</Display>
-  <Edit>DocumentLibraryForm</Edit>
-  <New>DocumentLibraryForm</New>
-</FormTemplates>
-</file>
-
 <file path=customXml/item3.xml><?xml version="1.0" encoding="utf-8"?>
 <p:properties xmlns:p="http://schemas.microsoft.com/office/2006/metadata/properties" xmlns:xsi="http://www.w3.org/2001/XMLSchema-instance" xmlns:pc="http://schemas.microsoft.com/office/infopath/2007/PartnerControls">
   <documentManagement/>
@@ -23229,6 +23229,14 @@
 </file>
 
 <file path=customXml/itemProps1.xml><?xml version="1.0" encoding="utf-8"?>
+<ds:datastoreItem xmlns:ds="http://schemas.openxmlformats.org/officeDocument/2006/customXml" ds:itemID="{9AA7F254-7A63-474C-940B-B1A7B0C71A82}">
+  <ds:schemaRefs>
+    <ds:schemaRef ds:uri="http://schemas.microsoft.com/sharepoint/v3/contenttype/forms"/>
+  </ds:schemaRefs>
+</ds:datastoreItem>
+</file>
+
+<file path=customXml/itemProps2.xml><?xml version="1.0" encoding="utf-8"?>
 <ds:datastoreItem xmlns:ds="http://schemas.openxmlformats.org/officeDocument/2006/customXml" ds:itemID="{BC4EDC4B-6231-4368-A33F-7EFB53F03114}">
   <ds:schemaRefs>
     <ds:schemaRef ds:uri="809c6131-60c3-40ed-bebd-38afa601eb8e"/>
@@ -23247,14 +23255,6 @@
 </ds:datastoreItem>
 </file>
 
-<file path=customXml/itemProps2.xml><?xml version="1.0" encoding="utf-8"?>
-<ds:datastoreItem xmlns:ds="http://schemas.openxmlformats.org/officeDocument/2006/customXml" ds:itemID="{9AA7F254-7A63-474C-940B-B1A7B0C71A82}">
-  <ds:schemaRefs>
-    <ds:schemaRef ds:uri="http://schemas.microsoft.com/sharepoint/v3/contenttype/forms"/>
-  </ds:schemaRefs>
-</ds:datastoreItem>
-</file>
-
 <file path=customXml/itemProps3.xml><?xml version="1.0" encoding="utf-8"?>
 <ds:datastoreItem xmlns:ds="http://schemas.openxmlformats.org/officeDocument/2006/customXml" ds:itemID="{37366466-A383-41EE-970B-3E647B7C2ABC}">
   <ds:schemaRefs>
